--- a/ppt/Diagrams.pptx
+++ b/ppt/Diagrams.pptx
@@ -7,6 +7,7 @@
   <p:sldIdLst>
     <p:sldId id="256" r:id="rId2"/>
     <p:sldId id="257" r:id="rId3"/>
+    <p:sldId id="258" r:id="rId4"/>
   </p:sldIdLst>
   <p:sldSz cx="12192000" cy="6858000"/>
   <p:notesSz cx="6858000" cy="9144000"/>
@@ -105,6 +106,11 @@
       </a:defRPr>
     </a:lvl9pPr>
   </p:defaultTextStyle>
+  <p:extLst>
+    <p:ext uri="{EFAFB233-063F-42B5-8137-9DF3F51BA10A}">
+      <p15:sldGuideLst xmlns:p15="http://schemas.microsoft.com/office/powerpoint/2012/main"/>
+    </p:ext>
+  </p:extLst>
 </p:presentation>
 </file>
 
@@ -255,7 +261,7 @@
           <a:p>
             <a:fld id="{69C9A7CD-BF9B-C14F-90B7-41CDB657027B}" type="datetimeFigureOut">
               <a:rPr lang="en-US" smtClean="0"/>
-              <a:t>12/27/18</a:t>
+              <a:t>12/30/18</a:t>
             </a:fld>
             <a:endParaRPr lang="en-US"/>
           </a:p>
@@ -453,7 +459,7 @@
           <a:p>
             <a:fld id="{69C9A7CD-BF9B-C14F-90B7-41CDB657027B}" type="datetimeFigureOut">
               <a:rPr lang="en-US" smtClean="0"/>
-              <a:t>12/27/18</a:t>
+              <a:t>12/30/18</a:t>
             </a:fld>
             <a:endParaRPr lang="en-US"/>
           </a:p>
@@ -661,7 +667,7 @@
           <a:p>
             <a:fld id="{69C9A7CD-BF9B-C14F-90B7-41CDB657027B}" type="datetimeFigureOut">
               <a:rPr lang="en-US" smtClean="0"/>
-              <a:t>12/27/18</a:t>
+              <a:t>12/30/18</a:t>
             </a:fld>
             <a:endParaRPr lang="en-US"/>
           </a:p>
@@ -859,7 +865,7 @@
           <a:p>
             <a:fld id="{69C9A7CD-BF9B-C14F-90B7-41CDB657027B}" type="datetimeFigureOut">
               <a:rPr lang="en-US" smtClean="0"/>
-              <a:t>12/27/18</a:t>
+              <a:t>12/30/18</a:t>
             </a:fld>
             <a:endParaRPr lang="en-US"/>
           </a:p>
@@ -1134,7 +1140,7 @@
           <a:p>
             <a:fld id="{69C9A7CD-BF9B-C14F-90B7-41CDB657027B}" type="datetimeFigureOut">
               <a:rPr lang="en-US" smtClean="0"/>
-              <a:t>12/27/18</a:t>
+              <a:t>12/30/18</a:t>
             </a:fld>
             <a:endParaRPr lang="en-US"/>
           </a:p>
@@ -1399,7 +1405,7 @@
           <a:p>
             <a:fld id="{69C9A7CD-BF9B-C14F-90B7-41CDB657027B}" type="datetimeFigureOut">
               <a:rPr lang="en-US" smtClean="0"/>
-              <a:t>12/27/18</a:t>
+              <a:t>12/30/18</a:t>
             </a:fld>
             <a:endParaRPr lang="en-US"/>
           </a:p>
@@ -1811,7 +1817,7 @@
           <a:p>
             <a:fld id="{69C9A7CD-BF9B-C14F-90B7-41CDB657027B}" type="datetimeFigureOut">
               <a:rPr lang="en-US" smtClean="0"/>
-              <a:t>12/27/18</a:t>
+              <a:t>12/30/18</a:t>
             </a:fld>
             <a:endParaRPr lang="en-US"/>
           </a:p>
@@ -1952,7 +1958,7 @@
           <a:p>
             <a:fld id="{69C9A7CD-BF9B-C14F-90B7-41CDB657027B}" type="datetimeFigureOut">
               <a:rPr lang="en-US" smtClean="0"/>
-              <a:t>12/27/18</a:t>
+              <a:t>12/30/18</a:t>
             </a:fld>
             <a:endParaRPr lang="en-US"/>
           </a:p>
@@ -2065,7 +2071,7 @@
           <a:p>
             <a:fld id="{69C9A7CD-BF9B-C14F-90B7-41CDB657027B}" type="datetimeFigureOut">
               <a:rPr lang="en-US" smtClean="0"/>
-              <a:t>12/27/18</a:t>
+              <a:t>12/30/18</a:t>
             </a:fld>
             <a:endParaRPr lang="en-US"/>
           </a:p>
@@ -2376,7 +2382,7 @@
           <a:p>
             <a:fld id="{69C9A7CD-BF9B-C14F-90B7-41CDB657027B}" type="datetimeFigureOut">
               <a:rPr lang="en-US" smtClean="0"/>
-              <a:t>12/27/18</a:t>
+              <a:t>12/30/18</a:t>
             </a:fld>
             <a:endParaRPr lang="en-US"/>
           </a:p>
@@ -2664,7 +2670,7 @@
           <a:p>
             <a:fld id="{69C9A7CD-BF9B-C14F-90B7-41CDB657027B}" type="datetimeFigureOut">
               <a:rPr lang="en-US" smtClean="0"/>
-              <a:t>12/27/18</a:t>
+              <a:t>12/30/18</a:t>
             </a:fld>
             <a:endParaRPr lang="en-US"/>
           </a:p>
@@ -2905,7 +2911,7 @@
           <a:p>
             <a:fld id="{69C9A7CD-BF9B-C14F-90B7-41CDB657027B}" type="datetimeFigureOut">
               <a:rPr lang="en-US" smtClean="0"/>
-              <a:t>12/27/18</a:t>
+              <a:t>12/30/18</a:t>
             </a:fld>
             <a:endParaRPr lang="en-US"/>
           </a:p>
@@ -4090,6 +4096,390 @@
 </p:sld>
 </file>
 
+<file path=ppt/slides/slide3.xml><?xml version="1.0" encoding="utf-8"?>
+<p:sld xmlns:a="http://schemas.openxmlformats.org/drawingml/2006/main" xmlns:r="http://schemas.openxmlformats.org/officeDocument/2006/relationships" xmlns:p="http://schemas.openxmlformats.org/presentationml/2006/main">
+  <p:cSld>
+    <p:spTree>
+      <p:nvGrpSpPr>
+        <p:cNvPr id="1" name=""/>
+        <p:cNvGrpSpPr/>
+        <p:nvPr/>
+      </p:nvGrpSpPr>
+      <p:grpSpPr>
+        <a:xfrm>
+          <a:off x="0" y="0"/>
+          <a:ext cx="0" cy="0"/>
+          <a:chOff x="0" y="0"/>
+          <a:chExt cx="0" cy="0"/>
+        </a:xfrm>
+      </p:grpSpPr>
+      <p:sp>
+        <p:nvSpPr>
+          <p:cNvPr id="2" name="Rectangle 1">
+            <a:extLst>
+              <a:ext uri="{FF2B5EF4-FFF2-40B4-BE49-F238E27FC236}">
+                <a16:creationId xmlns:a16="http://schemas.microsoft.com/office/drawing/2014/main" id="{5F1FF743-CB62-9744-B1F8-077EF73C90C3}"/>
+              </a:ext>
+            </a:extLst>
+          </p:cNvPr>
+          <p:cNvSpPr/>
+          <p:nvPr/>
+        </p:nvSpPr>
+        <p:spPr>
+          <a:xfrm>
+            <a:off x="3027340" y="1964630"/>
+            <a:ext cx="6137319" cy="411634"/>
+          </a:xfrm>
+          <a:prstGeom prst="rect">
+            <a:avLst/>
+          </a:prstGeom>
+          <a:solidFill>
+            <a:schemeClr val="accent2">
+              <a:lumMod val="20000"/>
+              <a:lumOff val="80000"/>
+            </a:schemeClr>
+          </a:solidFill>
+        </p:spPr>
+        <p:style>
+          <a:lnRef idx="2">
+            <a:schemeClr val="accent2">
+              <a:shade val="50000"/>
+            </a:schemeClr>
+          </a:lnRef>
+          <a:fillRef idx="1">
+            <a:schemeClr val="accent2"/>
+          </a:fillRef>
+          <a:effectRef idx="0">
+            <a:schemeClr val="accent2"/>
+          </a:effectRef>
+          <a:fontRef idx="minor">
+            <a:schemeClr val="lt1"/>
+          </a:fontRef>
+        </p:style>
+        <p:txBody>
+          <a:bodyPr rtlCol="0" anchor="ctr" anchorCtr="0"/>
+          <a:lstStyle/>
+          <a:p>
+            <a:r>
+              <a:rPr lang="en-US" sz="1400" b="1" dirty="0" err="1">
+                <a:solidFill>
+                  <a:schemeClr val="accent2"/>
+                </a:solidFill>
+              </a:rPr>
+              <a:t>const</a:t>
+            </a:r>
+            <a:r>
+              <a:rPr lang="en-US" sz="1400" b="1" dirty="0">
+                <a:solidFill>
+                  <a:schemeClr val="accent2"/>
+                </a:solidFill>
+              </a:rPr>
+              <a:t> Button = </a:t>
+            </a:r>
+            <a:r>
+              <a:rPr lang="en-US" sz="1400" b="1" dirty="0" err="1">
+                <a:solidFill>
+                  <a:schemeClr val="accent2"/>
+                </a:solidFill>
+              </a:rPr>
+              <a:t>getComponent</a:t>
+            </a:r>
+            <a:r>
+              <a:rPr lang="en-US" sz="1400" b="1" dirty="0">
+                <a:solidFill>
+                  <a:schemeClr val="accent2"/>
+                </a:solidFill>
+              </a:rPr>
+              <a:t>(‘Button’)</a:t>
+            </a:r>
+          </a:p>
+        </p:txBody>
+      </p:sp>
+      <p:sp>
+        <p:nvSpPr>
+          <p:cNvPr id="3" name="Rectangle 2">
+            <a:extLst>
+              <a:ext uri="{FF2B5EF4-FFF2-40B4-BE49-F238E27FC236}">
+                <a16:creationId xmlns:a16="http://schemas.microsoft.com/office/drawing/2014/main" id="{38857387-D10C-4F40-89F0-763B9CF31422}"/>
+              </a:ext>
+            </a:extLst>
+          </p:cNvPr>
+          <p:cNvSpPr/>
+          <p:nvPr/>
+        </p:nvSpPr>
+        <p:spPr>
+          <a:xfrm>
+            <a:off x="3027341" y="2928363"/>
+            <a:ext cx="6137319" cy="411634"/>
+          </a:xfrm>
+          <a:prstGeom prst="rect">
+            <a:avLst/>
+          </a:prstGeom>
+          <a:solidFill>
+            <a:schemeClr val="accent2">
+              <a:lumMod val="20000"/>
+              <a:lumOff val="80000"/>
+            </a:schemeClr>
+          </a:solidFill>
+        </p:spPr>
+        <p:style>
+          <a:lnRef idx="2">
+            <a:schemeClr val="accent2">
+              <a:shade val="50000"/>
+            </a:schemeClr>
+          </a:lnRef>
+          <a:fillRef idx="1">
+            <a:schemeClr val="accent2"/>
+          </a:fillRef>
+          <a:effectRef idx="0">
+            <a:schemeClr val="accent2"/>
+          </a:effectRef>
+          <a:fontRef idx="minor">
+            <a:schemeClr val="lt1"/>
+          </a:fontRef>
+        </p:style>
+        <p:txBody>
+          <a:bodyPr rtlCol="0" anchor="ctr" anchorCtr="0"/>
+          <a:lstStyle/>
+          <a:p>
+            <a:r>
+              <a:rPr lang="en-US" sz="1400" b="1" dirty="0" err="1">
+                <a:solidFill>
+                  <a:schemeClr val="accent2"/>
+                </a:solidFill>
+              </a:rPr>
+              <a:t>BlueBase</a:t>
+            </a:r>
+            <a:r>
+              <a:rPr lang="en-US" sz="1400" b="1" dirty="0">
+                <a:solidFill>
+                  <a:schemeClr val="accent2"/>
+                </a:solidFill>
+              </a:rPr>
+              <a:t> Context</a:t>
+            </a:r>
+          </a:p>
+        </p:txBody>
+      </p:sp>
+      <p:sp>
+        <p:nvSpPr>
+          <p:cNvPr id="4" name="Rectangle 3">
+            <a:extLst>
+              <a:ext uri="{FF2B5EF4-FFF2-40B4-BE49-F238E27FC236}">
+                <a16:creationId xmlns:a16="http://schemas.microsoft.com/office/drawing/2014/main" id="{64F9E60E-A4E6-A64A-8783-5597748432C9}"/>
+              </a:ext>
+            </a:extLst>
+          </p:cNvPr>
+          <p:cNvSpPr/>
+          <p:nvPr/>
+        </p:nvSpPr>
+        <p:spPr>
+          <a:xfrm>
+            <a:off x="3027339" y="3892097"/>
+            <a:ext cx="6137319" cy="1655804"/>
+          </a:xfrm>
+          <a:prstGeom prst="rect">
+            <a:avLst/>
+          </a:prstGeom>
+          <a:solidFill>
+            <a:schemeClr val="accent2">
+              <a:lumMod val="20000"/>
+              <a:lumOff val="80000"/>
+            </a:schemeClr>
+          </a:solidFill>
+        </p:spPr>
+        <p:style>
+          <a:lnRef idx="2">
+            <a:schemeClr val="accent2">
+              <a:shade val="50000"/>
+            </a:schemeClr>
+          </a:lnRef>
+          <a:fillRef idx="1">
+            <a:schemeClr val="accent2"/>
+          </a:fillRef>
+          <a:effectRef idx="0">
+            <a:schemeClr val="accent2"/>
+          </a:effectRef>
+          <a:fontRef idx="minor">
+            <a:schemeClr val="lt1"/>
+          </a:fontRef>
+        </p:style>
+        <p:txBody>
+          <a:bodyPr rtlCol="0" anchor="ctr" anchorCtr="0"/>
+          <a:lstStyle/>
+          <a:p>
+            <a:r>
+              <a:rPr lang="en-US" sz="1400" b="1" dirty="0" err="1">
+                <a:solidFill>
+                  <a:schemeClr val="accent2"/>
+                </a:solidFill>
+              </a:rPr>
+              <a:t>BlueBase</a:t>
+            </a:r>
+            <a:r>
+              <a:rPr lang="en-US" sz="1400" b="1" dirty="0">
+                <a:solidFill>
+                  <a:schemeClr val="accent2"/>
+                </a:solidFill>
+              </a:rPr>
+              <a:t> Plugin: </a:t>
+            </a:r>
+          </a:p>
+          <a:p>
+            <a:r>
+              <a:rPr lang="en-US" sz="1400" dirty="0">
+                <a:solidFill>
+                  <a:schemeClr val="accent2"/>
+                </a:solidFill>
+              </a:rPr>
+              <a:t>Registers a Button Component</a:t>
+            </a:r>
+          </a:p>
+          <a:p>
+            <a:endParaRPr lang="en-US" sz="1400" dirty="0">
+              <a:solidFill>
+                <a:schemeClr val="accent2"/>
+              </a:solidFill>
+            </a:endParaRPr>
+          </a:p>
+          <a:p>
+            <a:r>
+              <a:rPr lang="en-US" sz="1400" dirty="0">
+                <a:solidFill>
+                  <a:schemeClr val="accent2"/>
+                </a:solidFill>
+              </a:rPr>
+              <a:t>Example:</a:t>
+            </a:r>
+          </a:p>
+          <a:p>
+            <a:pPr marL="285750" indent="-285750">
+              <a:buFontTx/>
+              <a:buChar char="-"/>
+            </a:pPr>
+            <a:r>
+              <a:rPr lang="en-US" sz="1400" dirty="0">
+                <a:solidFill>
+                  <a:schemeClr val="accent2"/>
+                </a:solidFill>
+              </a:rPr>
+              <a:t>Material UI</a:t>
+            </a:r>
+          </a:p>
+          <a:p>
+            <a:pPr marL="285750" indent="-285750">
+              <a:buFontTx/>
+              <a:buChar char="-"/>
+            </a:pPr>
+            <a:r>
+              <a:rPr lang="en-US" sz="1400" dirty="0">
+                <a:solidFill>
+                  <a:schemeClr val="accent2"/>
+                </a:solidFill>
+              </a:rPr>
+              <a:t>Bootstrap</a:t>
+            </a:r>
+          </a:p>
+          <a:p>
+            <a:pPr marL="285750" indent="-285750">
+              <a:buFontTx/>
+              <a:buChar char="-"/>
+            </a:pPr>
+            <a:r>
+              <a:rPr lang="en-US" sz="1400" dirty="0">
+                <a:solidFill>
+                  <a:schemeClr val="accent2"/>
+                </a:solidFill>
+              </a:rPr>
+              <a:t>React Native Paper</a:t>
+            </a:r>
+          </a:p>
+        </p:txBody>
+      </p:sp>
+      <p:sp>
+        <p:nvSpPr>
+          <p:cNvPr id="5" name="Rectangle 4">
+            <a:extLst>
+              <a:ext uri="{FF2B5EF4-FFF2-40B4-BE49-F238E27FC236}">
+                <a16:creationId xmlns:a16="http://schemas.microsoft.com/office/drawing/2014/main" id="{CCF000D3-C9F3-5544-AE04-ECF2DFC60E0A}"/>
+              </a:ext>
+            </a:extLst>
+          </p:cNvPr>
+          <p:cNvSpPr/>
+          <p:nvPr/>
+        </p:nvSpPr>
+        <p:spPr>
+          <a:xfrm>
+            <a:off x="3027341" y="1000897"/>
+            <a:ext cx="6137319" cy="411634"/>
+          </a:xfrm>
+          <a:prstGeom prst="rect">
+            <a:avLst/>
+          </a:prstGeom>
+          <a:solidFill>
+            <a:schemeClr val="accent2">
+              <a:lumMod val="20000"/>
+              <a:lumOff val="80000"/>
+            </a:schemeClr>
+          </a:solidFill>
+        </p:spPr>
+        <p:style>
+          <a:lnRef idx="2">
+            <a:schemeClr val="accent2">
+              <a:shade val="50000"/>
+            </a:schemeClr>
+          </a:lnRef>
+          <a:fillRef idx="1">
+            <a:schemeClr val="accent2"/>
+          </a:fillRef>
+          <a:effectRef idx="0">
+            <a:schemeClr val="accent2"/>
+          </a:effectRef>
+          <a:fontRef idx="minor">
+            <a:schemeClr val="lt1"/>
+          </a:fontRef>
+        </p:style>
+        <p:txBody>
+          <a:bodyPr rtlCol="0" anchor="ctr" anchorCtr="0"/>
+          <a:lstStyle/>
+          <a:p>
+            <a:r>
+              <a:rPr lang="en-US" sz="1400" b="1" dirty="0">
+                <a:solidFill>
+                  <a:schemeClr val="accent2"/>
+                </a:solidFill>
+              </a:rPr>
+              <a:t>&lt;</a:t>
+            </a:r>
+            <a:r>
+              <a:rPr lang="en-US" sz="1400" b="1">
+                <a:solidFill>
+                  <a:schemeClr val="accent2"/>
+                </a:solidFill>
+              </a:rPr>
+              <a:t>Button /q&gt;</a:t>
+            </a:r>
+            <a:endParaRPr lang="en-US" sz="1400" b="1" dirty="0">
+              <a:solidFill>
+                <a:schemeClr val="accent2"/>
+              </a:solidFill>
+            </a:endParaRPr>
+          </a:p>
+        </p:txBody>
+      </p:sp>
+    </p:spTree>
+    <p:extLst>
+      <p:ext uri="{BB962C8B-B14F-4D97-AF65-F5344CB8AC3E}">
+        <p14:creationId xmlns:p14="http://schemas.microsoft.com/office/powerpoint/2010/main" val="2133717838"/>
+      </p:ext>
+    </p:extLst>
+  </p:cSld>
+  <p:clrMapOvr>
+    <a:masterClrMapping/>
+  </p:clrMapOvr>
+</p:sld>
+</file>
+
 <file path=ppt/theme/theme1.xml><?xml version="1.0" encoding="utf-8"?>
 <a:theme xmlns:a="http://schemas.openxmlformats.org/drawingml/2006/main" name="Office Theme">
   <a:themeElements>
